--- a/Python for Data Analysis.pptx
+++ b/Python for Data Analysis.pptx
@@ -7752,6 +7752,9 @@
             </a:pPr>
             <a:r>
               <a:rPr lang="fr">
+                <a:solidFill>
+                  <a:srgbClr val="FFFFFF"/>
+                </a:solidFill>
                 <a:latin typeface="Calibri"/>
                 <a:ea typeface="Calibri"/>
                 <a:cs typeface="Calibri"/>
@@ -7760,6 +7763,9 @@
               <a:t>Python for Data Analysis</a:t>
             </a:r>
             <a:endParaRPr>
+              <a:solidFill>
+                <a:srgbClr val="FFFFFF"/>
+              </a:solidFill>
               <a:latin typeface="Calibri"/>
               <a:ea typeface="Calibri"/>
               <a:cs typeface="Calibri"/>
@@ -7892,6 +7898,9 @@
             </a:pPr>
             <a:r>
               <a:rPr lang="fr">
+                <a:solidFill>
+                  <a:srgbClr val="FFFFFF"/>
+                </a:solidFill>
                 <a:latin typeface="Calibri"/>
                 <a:ea typeface="Calibri"/>
                 <a:cs typeface="Calibri"/>
@@ -7900,6 +7909,9 @@
               <a:t>Video Transcoding Time Prediction</a:t>
             </a:r>
             <a:endParaRPr>
+              <a:solidFill>
+                <a:srgbClr val="FFFFFF"/>
+              </a:solidFill>
               <a:latin typeface="Calibri"/>
               <a:ea typeface="Calibri"/>
               <a:cs typeface="Calibri"/>
@@ -7967,6 +7979,9 @@
             </a:pPr>
             <a:r>
               <a:rPr lang="fr">
+                <a:solidFill>
+                  <a:srgbClr val="FFFFFF"/>
+                </a:solidFill>
                 <a:latin typeface="Calibri"/>
                 <a:ea typeface="Calibri"/>
                 <a:cs typeface="Calibri"/>
@@ -7976,6 +7991,9 @@
             </a:r>
             <a:r>
               <a:rPr lang="fr">
+                <a:solidFill>
+                  <a:srgbClr val="FFFFFF"/>
+                </a:solidFill>
                 <a:latin typeface="Calibri"/>
                 <a:ea typeface="Calibri"/>
                 <a:cs typeface="Calibri"/>
@@ -7984,6 +8002,9 @@
               <a:t>Videos</a:t>
             </a:r>
             <a:endParaRPr>
+              <a:solidFill>
+                <a:srgbClr val="FFFFFF"/>
+              </a:solidFill>
               <a:latin typeface="Calibri"/>
               <a:ea typeface="Calibri"/>
               <a:cs typeface="Calibri"/>
@@ -8024,12 +8045,18 @@
               <a:spcAft>
                 <a:spcPts val="0"/>
               </a:spcAft>
+              <a:buClr>
+                <a:srgbClr val="FFFFFF"/>
+              </a:buClr>
               <a:buSzPts val="1700"/>
               <a:buFont typeface="Calibri"/>
               <a:buChar char="●"/>
             </a:pPr>
             <a:r>
               <a:rPr lang="fr" sz="1700">
+                <a:solidFill>
+                  <a:srgbClr val="FFFFFF"/>
+                </a:solidFill>
                 <a:latin typeface="Calibri"/>
                 <a:ea typeface="Calibri"/>
                 <a:cs typeface="Calibri"/>
@@ -8038,6 +8065,9 @@
               <a:t>Video is the number 1 source of information for 66% of people </a:t>
             </a:r>
             <a:endParaRPr sz="1700">
+              <a:solidFill>
+                <a:srgbClr val="FFFFFF"/>
+              </a:solidFill>
               <a:latin typeface="Calibri"/>
               <a:ea typeface="Calibri"/>
               <a:cs typeface="Calibri"/>
@@ -8078,12 +8108,18 @@
               <a:spcAft>
                 <a:spcPts val="0"/>
               </a:spcAft>
+              <a:buClr>
+                <a:srgbClr val="FFFFFF"/>
+              </a:buClr>
               <a:buSzPts val="1700"/>
               <a:buFont typeface="Calibri"/>
               <a:buChar char="●"/>
             </a:pPr>
             <a:r>
               <a:rPr lang="fr" sz="1700">
+                <a:solidFill>
+                  <a:srgbClr val="FFFFFF"/>
+                </a:solidFill>
                 <a:latin typeface="Calibri"/>
                 <a:ea typeface="Calibri"/>
                 <a:cs typeface="Calibri"/>
@@ -8092,6 +8128,9 @@
               <a:t>Over 500 million people watch Facebook videos every day </a:t>
             </a:r>
             <a:endParaRPr sz="1700">
+              <a:solidFill>
+                <a:srgbClr val="FFFFFF"/>
+              </a:solidFill>
               <a:latin typeface="Calibri"/>
               <a:ea typeface="Calibri"/>
               <a:cs typeface="Calibri"/>
@@ -8132,12 +8171,18 @@
               <a:spcAft>
                 <a:spcPts val="0"/>
               </a:spcAft>
+              <a:buClr>
+                <a:srgbClr val="FFFFFF"/>
+              </a:buClr>
               <a:buSzPts val="1700"/>
               <a:buFont typeface="Calibri"/>
               <a:buChar char="●"/>
             </a:pPr>
             <a:r>
               <a:rPr lang="fr" sz="1700">
+                <a:solidFill>
+                  <a:srgbClr val="FFFFFF"/>
+                </a:solidFill>
                 <a:latin typeface="Calibri"/>
                 <a:ea typeface="Calibri"/>
                 <a:cs typeface="Calibri"/>
@@ -8146,6 +8191,9 @@
               <a:t>YouTubers upload 300 hours of video content to the platform every minute </a:t>
             </a:r>
             <a:endParaRPr sz="1700">
+              <a:solidFill>
+                <a:srgbClr val="FFFFFF"/>
+              </a:solidFill>
               <a:latin typeface="Calibri"/>
               <a:ea typeface="Calibri"/>
               <a:cs typeface="Calibri"/>
@@ -8186,12 +8234,18 @@
               <a:spcAft>
                 <a:spcPts val="0"/>
               </a:spcAft>
+              <a:buClr>
+                <a:srgbClr val="FFFFFF"/>
+              </a:buClr>
               <a:buSzPts val="1700"/>
               <a:buFont typeface="Calibri"/>
               <a:buChar char="●"/>
             </a:pPr>
             <a:r>
               <a:rPr lang="fr" sz="1700">
+                <a:solidFill>
+                  <a:srgbClr val="FFFFFF"/>
+                </a:solidFill>
                 <a:latin typeface="Calibri"/>
                 <a:ea typeface="Calibri"/>
                 <a:cs typeface="Calibri"/>
@@ -8200,6 +8254,9 @@
               <a:t>People spend an average of 6 hours and 48 minutes per week watching online videos</a:t>
             </a:r>
             <a:endParaRPr sz="1700">
+              <a:solidFill>
+                <a:srgbClr val="FFFFFF"/>
+              </a:solidFill>
               <a:latin typeface="Calibri"/>
               <a:ea typeface="Calibri"/>
               <a:cs typeface="Calibri"/>
@@ -8267,6 +8324,9 @@
             </a:pPr>
             <a:r>
               <a:rPr lang="fr">
+                <a:solidFill>
+                  <a:srgbClr val="FFFFFF"/>
+                </a:solidFill>
                 <a:latin typeface="Calibri"/>
                 <a:ea typeface="Calibri"/>
                 <a:cs typeface="Calibri"/>
@@ -8275,6 +8335,9 @@
               <a:t>Video Transcoding</a:t>
             </a:r>
             <a:endParaRPr>
+              <a:solidFill>
+                <a:srgbClr val="FFFFFF"/>
+              </a:solidFill>
               <a:latin typeface="Calibri"/>
               <a:ea typeface="Calibri"/>
               <a:cs typeface="Calibri"/>
@@ -8319,6 +8382,9 @@
             </a:pPr>
             <a:r>
               <a:rPr b="1" lang="fr" sz="1700">
+                <a:solidFill>
+                  <a:srgbClr val="FFFFFF"/>
+                </a:solidFill>
                 <a:latin typeface="Calibri"/>
                 <a:ea typeface="Calibri"/>
                 <a:cs typeface="Calibri"/>
@@ -8327,6 +8393,9 @@
               <a:t>Why Video Transcoding?</a:t>
             </a:r>
             <a:endParaRPr b="1" sz="1700">
+              <a:solidFill>
+                <a:srgbClr val="FFFFFF"/>
+              </a:solidFill>
               <a:latin typeface="Calibri"/>
               <a:ea typeface="Calibri"/>
               <a:cs typeface="Calibri"/>
@@ -8347,6 +8416,9 @@
               <a:t/>
             </a:r>
             <a:endParaRPr sz="1700">
+              <a:solidFill>
+                <a:srgbClr val="FFFFFF"/>
+              </a:solidFill>
               <a:latin typeface="Calibri"/>
               <a:ea typeface="Calibri"/>
               <a:cs typeface="Calibri"/>
@@ -8361,12 +8433,18 @@
               <a:spcAft>
                 <a:spcPts val="0"/>
               </a:spcAft>
+              <a:buClr>
+                <a:srgbClr val="FFFFFF"/>
+              </a:buClr>
               <a:buSzPts val="1700"/>
               <a:buFont typeface="Calibri"/>
               <a:buChar char="●"/>
             </a:pPr>
             <a:r>
               <a:rPr lang="fr" sz="1700">
+                <a:solidFill>
+                  <a:srgbClr val="FFFFFF"/>
+                </a:solidFill>
                 <a:latin typeface="Calibri"/>
                 <a:ea typeface="Calibri"/>
                 <a:cs typeface="Calibri"/>
@@ -8375,6 +8453,9 @@
               <a:t>Difference in device resources</a:t>
             </a:r>
             <a:endParaRPr sz="1700">
+              <a:solidFill>
+                <a:srgbClr val="FFFFFF"/>
+              </a:solidFill>
               <a:latin typeface="Calibri"/>
               <a:ea typeface="Calibri"/>
               <a:cs typeface="Calibri"/>
@@ -8395,6 +8476,9 @@
               <a:t/>
             </a:r>
             <a:endParaRPr sz="1700">
+              <a:solidFill>
+                <a:srgbClr val="FFFFFF"/>
+              </a:solidFill>
               <a:latin typeface="Calibri"/>
               <a:ea typeface="Calibri"/>
               <a:cs typeface="Calibri"/>
@@ -8415,6 +8499,9 @@
               <a:t/>
             </a:r>
             <a:endParaRPr sz="1700">
+              <a:solidFill>
+                <a:srgbClr val="FFFFFF"/>
+              </a:solidFill>
               <a:latin typeface="Calibri"/>
               <a:ea typeface="Calibri"/>
               <a:cs typeface="Calibri"/>
@@ -8429,12 +8516,18 @@
               <a:spcAft>
                 <a:spcPts val="0"/>
               </a:spcAft>
+              <a:buClr>
+                <a:srgbClr val="FFFFFF"/>
+              </a:buClr>
               <a:buSzPts val="1700"/>
               <a:buFont typeface="Calibri"/>
               <a:buChar char="●"/>
             </a:pPr>
             <a:r>
               <a:rPr lang="fr" sz="1700">
+                <a:solidFill>
+                  <a:srgbClr val="FFFFFF"/>
+                </a:solidFill>
                 <a:latin typeface="Calibri"/>
                 <a:ea typeface="Calibri"/>
                 <a:cs typeface="Calibri"/>
@@ -8443,6 +8536,9 @@
               <a:t>Difference in Network bandwidth</a:t>
             </a:r>
             <a:endParaRPr sz="1700">
+              <a:solidFill>
+                <a:srgbClr val="FFFFFF"/>
+              </a:solidFill>
               <a:latin typeface="Calibri"/>
               <a:ea typeface="Calibri"/>
               <a:cs typeface="Calibri"/>
@@ -8463,6 +8559,9 @@
               <a:t/>
             </a:r>
             <a:endParaRPr sz="1700">
+              <a:solidFill>
+                <a:srgbClr val="FFFFFF"/>
+              </a:solidFill>
               <a:latin typeface="Calibri"/>
               <a:ea typeface="Calibri"/>
               <a:cs typeface="Calibri"/>
@@ -8483,6 +8582,9 @@
               <a:t/>
             </a:r>
             <a:endParaRPr sz="1700">
+              <a:solidFill>
+                <a:srgbClr val="FFFFFF"/>
+              </a:solidFill>
               <a:latin typeface="Calibri"/>
               <a:ea typeface="Calibri"/>
               <a:cs typeface="Calibri"/>
@@ -8497,12 +8599,18 @@
               <a:spcAft>
                 <a:spcPts val="0"/>
               </a:spcAft>
+              <a:buClr>
+                <a:srgbClr val="FFFFFF"/>
+              </a:buClr>
               <a:buSzPts val="1700"/>
               <a:buFont typeface="Calibri"/>
               <a:buChar char="●"/>
             </a:pPr>
             <a:r>
               <a:rPr lang="fr" sz="1700">
+                <a:solidFill>
+                  <a:srgbClr val="FFFFFF"/>
+                </a:solidFill>
                 <a:latin typeface="Calibri"/>
                 <a:ea typeface="Calibri"/>
                 <a:cs typeface="Calibri"/>
@@ -8511,6 +8619,9 @@
               <a:t>Difference in video representation types</a:t>
             </a:r>
             <a:endParaRPr sz="1700">
+              <a:solidFill>
+                <a:srgbClr val="FFFFFF"/>
+              </a:solidFill>
               <a:latin typeface="Calibri"/>
               <a:ea typeface="Calibri"/>
               <a:cs typeface="Calibri"/>
@@ -8555,6 +8666,9 @@
             </a:pPr>
             <a:r>
               <a:rPr b="1" lang="fr" sz="1700">
+                <a:solidFill>
+                  <a:srgbClr val="FFFFFF"/>
+                </a:solidFill>
                 <a:latin typeface="Calibri"/>
                 <a:ea typeface="Calibri"/>
                 <a:cs typeface="Calibri"/>
@@ -8563,6 +8677,9 @@
               <a:t>A process with many needs </a:t>
             </a:r>
             <a:endParaRPr b="1" sz="1700">
+              <a:solidFill>
+                <a:srgbClr val="FFFFFF"/>
+              </a:solidFill>
               <a:latin typeface="Calibri"/>
               <a:ea typeface="Calibri"/>
               <a:cs typeface="Calibri"/>
@@ -8583,6 +8700,9 @@
               <a:t/>
             </a:r>
             <a:endParaRPr sz="1700">
+              <a:solidFill>
+                <a:srgbClr val="FFFFFF"/>
+              </a:solidFill>
               <a:latin typeface="Calibri"/>
               <a:ea typeface="Calibri"/>
               <a:cs typeface="Calibri"/>
@@ -8597,12 +8717,18 @@
               <a:spcAft>
                 <a:spcPts val="0"/>
               </a:spcAft>
+              <a:buClr>
+                <a:srgbClr val="FFFFFF"/>
+              </a:buClr>
               <a:buSzPts val="1700"/>
               <a:buFont typeface="Calibri"/>
               <a:buChar char="●"/>
             </a:pPr>
             <a:r>
               <a:rPr lang="fr" sz="1700">
+                <a:solidFill>
+                  <a:srgbClr val="FFFFFF"/>
+                </a:solidFill>
                 <a:latin typeface="Calibri"/>
                 <a:ea typeface="Calibri"/>
                 <a:cs typeface="Calibri"/>
@@ -8611,6 +8737,9 @@
               <a:t>A need in decreasing its complexity</a:t>
             </a:r>
             <a:endParaRPr sz="1700">
+              <a:solidFill>
+                <a:srgbClr val="FFFFFF"/>
+              </a:solidFill>
               <a:latin typeface="Calibri"/>
               <a:ea typeface="Calibri"/>
               <a:cs typeface="Calibri"/>
@@ -8631,6 +8760,9 @@
               <a:t/>
             </a:r>
             <a:endParaRPr sz="1700">
+              <a:solidFill>
+                <a:srgbClr val="FFFFFF"/>
+              </a:solidFill>
               <a:latin typeface="Calibri"/>
               <a:ea typeface="Calibri"/>
               <a:cs typeface="Calibri"/>
@@ -8645,12 +8777,18 @@
               <a:spcAft>
                 <a:spcPts val="0"/>
               </a:spcAft>
+              <a:buClr>
+                <a:srgbClr val="FFFFFF"/>
+              </a:buClr>
               <a:buSzPts val="1700"/>
               <a:buFont typeface="Calibri"/>
               <a:buChar char="●"/>
             </a:pPr>
             <a:r>
               <a:rPr lang="fr" sz="1700">
+                <a:solidFill>
+                  <a:srgbClr val="FFFFFF"/>
+                </a:solidFill>
                 <a:latin typeface="Calibri"/>
                 <a:ea typeface="Calibri"/>
                 <a:cs typeface="Calibri"/>
@@ -8659,6 +8797,9 @@
               <a:t>A need to optimize transcoding jobs in multicore and cloud environment</a:t>
             </a:r>
             <a:endParaRPr sz="1700">
+              <a:solidFill>
+                <a:srgbClr val="FFFFFF"/>
+              </a:solidFill>
               <a:latin typeface="Calibri"/>
               <a:ea typeface="Calibri"/>
               <a:cs typeface="Calibri"/>
@@ -8679,6 +8820,9 @@
               <a:t/>
             </a:r>
             <a:endParaRPr sz="1700">
+              <a:solidFill>
+                <a:srgbClr val="FFFFFF"/>
+              </a:solidFill>
               <a:latin typeface="Calibri"/>
               <a:ea typeface="Calibri"/>
               <a:cs typeface="Calibri"/>
@@ -8693,12 +8837,18 @@
               <a:spcAft>
                 <a:spcPts val="0"/>
               </a:spcAft>
+              <a:buClr>
+                <a:srgbClr val="FFFFFF"/>
+              </a:buClr>
               <a:buSzPts val="1700"/>
               <a:buFont typeface="Calibri"/>
               <a:buChar char="●"/>
             </a:pPr>
             <a:r>
               <a:rPr lang="fr" sz="1700">
+                <a:solidFill>
+                  <a:srgbClr val="FFFFFF"/>
+                </a:solidFill>
                 <a:latin typeface="Calibri"/>
                 <a:ea typeface="Calibri"/>
                 <a:cs typeface="Calibri"/>
@@ -8707,6 +8857,9 @@
               <a:t>Predict resource requirement of each job to avoid over provisioning</a:t>
             </a:r>
             <a:endParaRPr sz="1700">
+              <a:solidFill>
+                <a:srgbClr val="FFFFFF"/>
+              </a:solidFill>
               <a:latin typeface="Calibri"/>
               <a:ea typeface="Calibri"/>
               <a:cs typeface="Calibri"/>
@@ -8854,6 +9007,9 @@
               <a:t/>
             </a:r>
             <a:endParaRPr b="1" sz="1700">
+              <a:solidFill>
+                <a:srgbClr val="FFFFFF"/>
+              </a:solidFill>
               <a:latin typeface="Calibri"/>
               <a:ea typeface="Calibri"/>
               <a:cs typeface="Calibri"/>
@@ -8872,6 +9028,9 @@
             </a:pPr>
             <a:r>
               <a:rPr b="1" lang="fr" sz="2000">
+                <a:solidFill>
+                  <a:srgbClr val="FFFFFF"/>
+                </a:solidFill>
                 <a:latin typeface="Calibri"/>
                 <a:ea typeface="Calibri"/>
                 <a:cs typeface="Calibri"/>
@@ -8880,6 +9039,9 @@
               <a:t>Challenges of our model</a:t>
             </a:r>
             <a:endParaRPr b="1" sz="2000">
+              <a:solidFill>
+                <a:srgbClr val="FFFFFF"/>
+              </a:solidFill>
               <a:latin typeface="Calibri"/>
               <a:ea typeface="Calibri"/>
               <a:cs typeface="Calibri"/>
@@ -8900,6 +9062,9 @@
               <a:t/>
             </a:r>
             <a:endParaRPr sz="1700">
+              <a:solidFill>
+                <a:srgbClr val="FFFFFF"/>
+              </a:solidFill>
               <a:latin typeface="Calibri"/>
               <a:ea typeface="Calibri"/>
               <a:cs typeface="Calibri"/>
@@ -8914,12 +9079,18 @@
               <a:spcAft>
                 <a:spcPts val="0"/>
               </a:spcAft>
+              <a:buClr>
+                <a:srgbClr val="FFFFFF"/>
+              </a:buClr>
               <a:buSzPts val="1700"/>
               <a:buFont typeface="Calibri"/>
               <a:buChar char="●"/>
             </a:pPr>
             <a:r>
               <a:rPr lang="fr" sz="1700">
+                <a:solidFill>
+                  <a:srgbClr val="FFFFFF"/>
+                </a:solidFill>
                 <a:latin typeface="Calibri"/>
                 <a:ea typeface="Calibri"/>
                 <a:cs typeface="Calibri"/>
@@ -8928,6 +9099,9 @@
               <a:t>Predict the transcoding time</a:t>
             </a:r>
             <a:endParaRPr sz="1700">
+              <a:solidFill>
+                <a:srgbClr val="FFFFFF"/>
+              </a:solidFill>
               <a:latin typeface="Calibri"/>
               <a:ea typeface="Calibri"/>
               <a:cs typeface="Calibri"/>
@@ -8948,6 +9122,9 @@
               <a:t/>
             </a:r>
             <a:endParaRPr sz="1700">
+              <a:solidFill>
+                <a:srgbClr val="FFFFFF"/>
+              </a:solidFill>
               <a:latin typeface="Calibri"/>
               <a:ea typeface="Calibri"/>
               <a:cs typeface="Calibri"/>
@@ -8962,12 +9139,18 @@
               <a:spcAft>
                 <a:spcPts val="0"/>
               </a:spcAft>
+              <a:buClr>
+                <a:srgbClr val="FFFFFF"/>
+              </a:buClr>
               <a:buSzPts val="1700"/>
               <a:buFont typeface="Calibri"/>
               <a:buChar char="●"/>
             </a:pPr>
             <a:r>
               <a:rPr lang="fr" sz="1700">
+                <a:solidFill>
+                  <a:srgbClr val="FFFFFF"/>
+                </a:solidFill>
                 <a:latin typeface="Calibri"/>
                 <a:ea typeface="Calibri"/>
                 <a:cs typeface="Calibri"/>
@@ -8976,6 +9159,9 @@
               <a:t>Fit our model with a variety of videos format transcoding</a:t>
             </a:r>
             <a:endParaRPr sz="1700">
+              <a:solidFill>
+                <a:srgbClr val="FFFFFF"/>
+              </a:solidFill>
               <a:latin typeface="Calibri"/>
               <a:ea typeface="Calibri"/>
               <a:cs typeface="Calibri"/>
@@ -8996,6 +9182,9 @@
               <a:t/>
             </a:r>
             <a:endParaRPr sz="1700">
+              <a:solidFill>
+                <a:srgbClr val="FFFFFF"/>
+              </a:solidFill>
               <a:latin typeface="Calibri"/>
               <a:ea typeface="Calibri"/>
               <a:cs typeface="Calibri"/>
@@ -9010,12 +9199,18 @@
               <a:spcAft>
                 <a:spcPts val="0"/>
               </a:spcAft>
+              <a:buClr>
+                <a:srgbClr val="FFFFFF"/>
+              </a:buClr>
               <a:buSzPts val="1700"/>
               <a:buFont typeface="Calibri"/>
               <a:buChar char="●"/>
             </a:pPr>
             <a:r>
               <a:rPr lang="fr" sz="1700">
+                <a:solidFill>
+                  <a:srgbClr val="FFFFFF"/>
+                </a:solidFill>
                 <a:latin typeface="Calibri"/>
                 <a:ea typeface="Calibri"/>
                 <a:cs typeface="Calibri"/>
@@ -9024,6 +9219,9 @@
               <a:t>Help systems allocate the right amount of resource for each transcoding jobs and optimize runtime scheduling</a:t>
             </a:r>
             <a:endParaRPr sz="1700">
+              <a:solidFill>
+                <a:srgbClr val="FFFFFF"/>
+              </a:solidFill>
               <a:latin typeface="Calibri"/>
               <a:ea typeface="Calibri"/>
               <a:cs typeface="Calibri"/>
@@ -9044,6 +9242,9 @@
               <a:t/>
             </a:r>
             <a:endParaRPr sz="1700">
+              <a:solidFill>
+                <a:srgbClr val="FFFFFF"/>
+              </a:solidFill>
               <a:latin typeface="Calibri"/>
               <a:ea typeface="Calibri"/>
               <a:cs typeface="Calibri"/>
